--- a/src/main/resources/edu/miracosta/cs112/finalproject/finalproject/Wireframe (UD3).pptx
+++ b/src/main/resources/edu/miracosta/cs112/finalproject/finalproject/Wireframe (UD3).pptx
@@ -7540,7 +7540,7 @@
             <a:tbl>
               <a:tblPr>
                 <a:noFill/>
-                <a:tableStyleId>{DE08AEE5-E56B-4C6D-A479-98C8EA052695}</a:tableStyleId>
+                <a:tableStyleId>{472A86B3-4599-4907-B29E-0A0B9744EC81}</a:tableStyleId>
               </a:tblPr>
               <a:tblGrid>
                 <a:gridCol w="1490700"/>
@@ -7622,7 +7622,7 @@
             <a:tbl>
               <a:tblPr>
                 <a:noFill/>
-                <a:tableStyleId>{DE08AEE5-E56B-4C6D-A479-98C8EA052695}</a:tableStyleId>
+                <a:tableStyleId>{472A86B3-4599-4907-B29E-0A0B9744EC81}</a:tableStyleId>
               </a:tblPr>
               <a:tblGrid>
                 <a:gridCol w="1560225"/>
@@ -7987,7 +7987,7 @@
             <a:tbl>
               <a:tblPr>
                 <a:noFill/>
-                <a:tableStyleId>{DE08AEE5-E56B-4C6D-A479-98C8EA052695}</a:tableStyleId>
+                <a:tableStyleId>{472A86B3-4599-4907-B29E-0A0B9744EC81}</a:tableStyleId>
               </a:tblPr>
               <a:tblGrid>
                 <a:gridCol w="1490700"/>
@@ -8069,7 +8069,7 @@
             <a:tbl>
               <a:tblPr>
                 <a:noFill/>
-                <a:tableStyleId>{DE08AEE5-E56B-4C6D-A479-98C8EA052695}</a:tableStyleId>
+                <a:tableStyleId>{472A86B3-4599-4907-B29E-0A0B9744EC81}</a:tableStyleId>
               </a:tblPr>
               <a:tblGrid>
                 <a:gridCol w="1560225"/>
@@ -9239,7 +9239,7 @@
             <a:tbl>
               <a:tblPr>
                 <a:noFill/>
-                <a:tableStyleId>{DE08AEE5-E56B-4C6D-A479-98C8EA052695}</a:tableStyleId>
+                <a:tableStyleId>{472A86B3-4599-4907-B29E-0A0B9744EC81}</a:tableStyleId>
               </a:tblPr>
               <a:tblGrid>
                 <a:gridCol w="1490700"/>
@@ -9321,7 +9321,7 @@
             <a:tbl>
               <a:tblPr>
                 <a:noFill/>
-                <a:tableStyleId>{DE08AEE5-E56B-4C6D-A479-98C8EA052695}</a:tableStyleId>
+                <a:tableStyleId>{472A86B3-4599-4907-B29E-0A0B9744EC81}</a:tableStyleId>
               </a:tblPr>
               <a:tblGrid>
                 <a:gridCol w="1560225"/>
@@ -9949,7 +9949,7 @@
             <a:tbl>
               <a:tblPr>
                 <a:noFill/>
-                <a:tableStyleId>{DE08AEE5-E56B-4C6D-A479-98C8EA052695}</a:tableStyleId>
+                <a:tableStyleId>{472A86B3-4599-4907-B29E-0A0B9744EC81}</a:tableStyleId>
               </a:tblPr>
               <a:tblGrid>
                 <a:gridCol w="1490700"/>
@@ -10031,7 +10031,7 @@
             <a:tbl>
               <a:tblPr>
                 <a:noFill/>
-                <a:tableStyleId>{DE08AEE5-E56B-4C6D-A479-98C8EA052695}</a:tableStyleId>
+                <a:tableStyleId>{472A86B3-4599-4907-B29E-0A0B9744EC81}</a:tableStyleId>
               </a:tblPr>
               <a:tblGrid>
                 <a:gridCol w="1560225"/>
@@ -10799,7 +10799,7 @@
             <a:tbl>
               <a:tblPr>
                 <a:noFill/>
-                <a:tableStyleId>{DE08AEE5-E56B-4C6D-A479-98C8EA052695}</a:tableStyleId>
+                <a:tableStyleId>{472A86B3-4599-4907-B29E-0A0B9744EC81}</a:tableStyleId>
               </a:tblPr>
               <a:tblGrid>
                 <a:gridCol w="1490700"/>
@@ -10881,7 +10881,7 @@
             <a:tbl>
               <a:tblPr>
                 <a:noFill/>
-                <a:tableStyleId>{DE08AEE5-E56B-4C6D-A479-98C8EA052695}</a:tableStyleId>
+                <a:tableStyleId>{472A86B3-4599-4907-B29E-0A0B9744EC81}</a:tableStyleId>
               </a:tblPr>
               <a:tblGrid>
                 <a:gridCol w="1560225"/>
@@ -11530,7 +11530,7 @@
         </p:spPr>
         <p:txBody>
           <a:bodyPr anchorCtr="0" anchor="t" bIns="91425" lIns="91425" spcFirstLastPara="1" rIns="91425" wrap="square" tIns="91425">
-            <a:normAutofit lnSpcReduction="20000"/>
+            <a:normAutofit lnSpcReduction="10000"/>
           </a:bodyPr>
           <a:lstStyle/>
           <a:p>
@@ -11671,23 +11671,7 @@
                   <a:schemeClr val="dk1"/>
                 </a:solidFill>
               </a:rPr>
-              <a:t>Our inspiration was somewhat random, but we are very happy with the end result. We used </a:t>
-            </a:r>
-            <a:r>
-              <a:rPr lang="en" sz="1800">
-                <a:solidFill>
-                  <a:schemeClr val="dk1"/>
-                </a:solidFill>
-              </a:rPr>
-              <a:t>Chat GPT a bit</a:t>
-            </a:r>
-            <a:r>
-              <a:rPr lang="en" sz="1800">
-                <a:solidFill>
-                  <a:schemeClr val="dk1"/>
-                </a:solidFill>
-              </a:rPr>
-              <a:t> to brainstorm ideas and come up with ways that we can implement all of the necessary ideas.</a:t>
+              <a:t>Our inspiration was somewhat random, but we are very happy with the end result.</a:t>
             </a:r>
             <a:endParaRPr sz="1800">
               <a:solidFill>
@@ -11890,7 +11874,7 @@
             <a:tbl>
               <a:tblPr>
                 <a:noFill/>
-                <a:tableStyleId>{DE08AEE5-E56B-4C6D-A479-98C8EA052695}</a:tableStyleId>
+                <a:tableStyleId>{472A86B3-4599-4907-B29E-0A0B9744EC81}</a:tableStyleId>
               </a:tblPr>
               <a:tblGrid>
                 <a:gridCol w="1490700"/>
@@ -11972,7 +11956,7 @@
             <a:tbl>
               <a:tblPr>
                 <a:noFill/>
-                <a:tableStyleId>{DE08AEE5-E56B-4C6D-A479-98C8EA052695}</a:tableStyleId>
+                <a:tableStyleId>{472A86B3-4599-4907-B29E-0A0B9744EC81}</a:tableStyleId>
               </a:tblPr>
               <a:tblGrid>
                 <a:gridCol w="1560225"/>
@@ -12506,7 +12490,7 @@
             <a:tbl>
               <a:tblPr>
                 <a:noFill/>
-                <a:tableStyleId>{DE08AEE5-E56B-4C6D-A479-98C8EA052695}</a:tableStyleId>
+                <a:tableStyleId>{472A86B3-4599-4907-B29E-0A0B9744EC81}</a:tableStyleId>
               </a:tblPr>
               <a:tblGrid>
                 <a:gridCol w="1088850"/>
@@ -12789,7 +12773,7 @@
             <a:tbl>
               <a:tblPr>
                 <a:noFill/>
-                <a:tableStyleId>{DE08AEE5-E56B-4C6D-A479-98C8EA052695}</a:tableStyleId>
+                <a:tableStyleId>{472A86B3-4599-4907-B29E-0A0B9744EC81}</a:tableStyleId>
               </a:tblPr>
               <a:tblGrid>
                 <a:gridCol w="1490700"/>
@@ -12871,7 +12855,7 @@
             <a:tbl>
               <a:tblPr>
                 <a:noFill/>
-                <a:tableStyleId>{DE08AEE5-E56B-4C6D-A479-98C8EA052695}</a:tableStyleId>
+                <a:tableStyleId>{472A86B3-4599-4907-B29E-0A0B9744EC81}</a:tableStyleId>
               </a:tblPr>
               <a:tblGrid>
                 <a:gridCol w="1560225"/>
@@ -13353,7 +13337,7 @@
             <a:tbl>
               <a:tblPr>
                 <a:noFill/>
-                <a:tableStyleId>{DE08AEE5-E56B-4C6D-A479-98C8EA052695}</a:tableStyleId>
+                <a:tableStyleId>{472A86B3-4599-4907-B29E-0A0B9744EC81}</a:tableStyleId>
               </a:tblPr>
               <a:tblGrid>
                 <a:gridCol w="1088850"/>
@@ -13686,7 +13670,7 @@
             <a:tbl>
               <a:tblPr>
                 <a:noFill/>
-                <a:tableStyleId>{DE08AEE5-E56B-4C6D-A479-98C8EA052695}</a:tableStyleId>
+                <a:tableStyleId>{472A86B3-4599-4907-B29E-0A0B9744EC81}</a:tableStyleId>
               </a:tblPr>
               <a:tblGrid>
                 <a:gridCol w="1490700"/>
@@ -13768,7 +13752,7 @@
             <a:tbl>
               <a:tblPr>
                 <a:noFill/>
-                <a:tableStyleId>{DE08AEE5-E56B-4C6D-A479-98C8EA052695}</a:tableStyleId>
+                <a:tableStyleId>{472A86B3-4599-4907-B29E-0A0B9744EC81}</a:tableStyleId>
               </a:tblPr>
               <a:tblGrid>
                 <a:gridCol w="1560225"/>
@@ -14250,7 +14234,7 @@
             <a:tbl>
               <a:tblPr>
                 <a:noFill/>
-                <a:tableStyleId>{DE08AEE5-E56B-4C6D-A479-98C8EA052695}</a:tableStyleId>
+                <a:tableStyleId>{472A86B3-4599-4907-B29E-0A0B9744EC81}</a:tableStyleId>
               </a:tblPr>
               <a:tblGrid>
                 <a:gridCol w="1088850"/>
@@ -14583,7 +14567,7 @@
             <a:tbl>
               <a:tblPr>
                 <a:noFill/>
-                <a:tableStyleId>{DE08AEE5-E56B-4C6D-A479-98C8EA052695}</a:tableStyleId>
+                <a:tableStyleId>{472A86B3-4599-4907-B29E-0A0B9744EC81}</a:tableStyleId>
               </a:tblPr>
               <a:tblGrid>
                 <a:gridCol w="1490700"/>
@@ -14665,7 +14649,7 @@
             <a:tbl>
               <a:tblPr>
                 <a:noFill/>
-                <a:tableStyleId>{DE08AEE5-E56B-4C6D-A479-98C8EA052695}</a:tableStyleId>
+                <a:tableStyleId>{472A86B3-4599-4907-B29E-0A0B9744EC81}</a:tableStyleId>
               </a:tblPr>
               <a:tblGrid>
                 <a:gridCol w="1560225"/>
@@ -15155,7 +15139,7 @@
             <a:tbl>
               <a:tblPr>
                 <a:noFill/>
-                <a:tableStyleId>{DE08AEE5-E56B-4C6D-A479-98C8EA052695}</a:tableStyleId>
+                <a:tableStyleId>{472A86B3-4599-4907-B29E-0A0B9744EC81}</a:tableStyleId>
               </a:tblPr>
               <a:tblGrid>
                 <a:gridCol w="1088850"/>
@@ -15488,7 +15472,7 @@
             <a:tbl>
               <a:tblPr>
                 <a:noFill/>
-                <a:tableStyleId>{DE08AEE5-E56B-4C6D-A479-98C8EA052695}</a:tableStyleId>
+                <a:tableStyleId>{472A86B3-4599-4907-B29E-0A0B9744EC81}</a:tableStyleId>
               </a:tblPr>
               <a:tblGrid>
                 <a:gridCol w="1490700"/>
@@ -15570,7 +15554,7 @@
             <a:tbl>
               <a:tblPr>
                 <a:noFill/>
-                <a:tableStyleId>{DE08AEE5-E56B-4C6D-A479-98C8EA052695}</a:tableStyleId>
+                <a:tableStyleId>{472A86B3-4599-4907-B29E-0A0B9744EC81}</a:tableStyleId>
               </a:tblPr>
               <a:tblGrid>
                 <a:gridCol w="1560225"/>
@@ -16131,7 +16115,7 @@
             <a:tbl>
               <a:tblPr>
                 <a:noFill/>
-                <a:tableStyleId>{DE08AEE5-E56B-4C6D-A479-98C8EA052695}</a:tableStyleId>
+                <a:tableStyleId>{472A86B3-4599-4907-B29E-0A0B9744EC81}</a:tableStyleId>
               </a:tblPr>
               <a:tblGrid>
                 <a:gridCol w="1088850"/>
@@ -16441,7 +16425,7 @@
             <a:tbl>
               <a:tblPr>
                 <a:noFill/>
-                <a:tableStyleId>{DE08AEE5-E56B-4C6D-A479-98C8EA052695}</a:tableStyleId>
+                <a:tableStyleId>{472A86B3-4599-4907-B29E-0A0B9744EC81}</a:tableStyleId>
               </a:tblPr>
               <a:tblGrid>
                 <a:gridCol w="1490700"/>
@@ -16523,7 +16507,7 @@
             <a:tbl>
               <a:tblPr>
                 <a:noFill/>
-                <a:tableStyleId>{DE08AEE5-E56B-4C6D-A479-98C8EA052695}</a:tableStyleId>
+                <a:tableStyleId>{472A86B3-4599-4907-B29E-0A0B9744EC81}</a:tableStyleId>
               </a:tblPr>
               <a:tblGrid>
                 <a:gridCol w="1560225"/>
@@ -17032,7 +17016,7 @@
             <a:tbl>
               <a:tblPr>
                 <a:noFill/>
-                <a:tableStyleId>{DE08AEE5-E56B-4C6D-A479-98C8EA052695}</a:tableStyleId>
+                <a:tableStyleId>{472A86B3-4599-4907-B29E-0A0B9744EC81}</a:tableStyleId>
               </a:tblPr>
               <a:tblGrid>
                 <a:gridCol w="1088850"/>
@@ -17392,7 +17376,7 @@
             <a:tbl>
               <a:tblPr>
                 <a:noFill/>
-                <a:tableStyleId>{DE08AEE5-E56B-4C6D-A479-98C8EA052695}</a:tableStyleId>
+                <a:tableStyleId>{472A86B3-4599-4907-B29E-0A0B9744EC81}</a:tableStyleId>
               </a:tblPr>
               <a:tblGrid>
                 <a:gridCol w="1490700"/>
@@ -17474,7 +17458,7 @@
             <a:tbl>
               <a:tblPr>
                 <a:noFill/>
-                <a:tableStyleId>{DE08AEE5-E56B-4C6D-A479-98C8EA052695}</a:tableStyleId>
+                <a:tableStyleId>{472A86B3-4599-4907-B29E-0A0B9744EC81}</a:tableStyleId>
               </a:tblPr>
               <a:tblGrid>
                 <a:gridCol w="1560225"/>
@@ -17983,7 +17967,7 @@
             <a:tbl>
               <a:tblPr>
                 <a:noFill/>
-                <a:tableStyleId>{DE08AEE5-E56B-4C6D-A479-98C8EA052695}</a:tableStyleId>
+                <a:tableStyleId>{472A86B3-4599-4907-B29E-0A0B9744EC81}</a:tableStyleId>
               </a:tblPr>
               <a:tblGrid>
                 <a:gridCol w="1088850"/>
@@ -18343,7 +18327,7 @@
             <a:tbl>
               <a:tblPr>
                 <a:noFill/>
-                <a:tableStyleId>{DE08AEE5-E56B-4C6D-A479-98C8EA052695}</a:tableStyleId>
+                <a:tableStyleId>{472A86B3-4599-4907-B29E-0A0B9744EC81}</a:tableStyleId>
               </a:tblPr>
               <a:tblGrid>
                 <a:gridCol w="1490700"/>
@@ -18425,7 +18409,7 @@
             <a:tbl>
               <a:tblPr>
                 <a:noFill/>
-                <a:tableStyleId>{DE08AEE5-E56B-4C6D-A479-98C8EA052695}</a:tableStyleId>
+                <a:tableStyleId>{472A86B3-4599-4907-B29E-0A0B9744EC81}</a:tableStyleId>
               </a:tblPr>
               <a:tblGrid>
                 <a:gridCol w="1560225"/>
@@ -18934,7 +18918,7 @@
             <a:tbl>
               <a:tblPr>
                 <a:noFill/>
-                <a:tableStyleId>{DE08AEE5-E56B-4C6D-A479-98C8EA052695}</a:tableStyleId>
+                <a:tableStyleId>{472A86B3-4599-4907-B29E-0A0B9744EC81}</a:tableStyleId>
               </a:tblPr>
               <a:tblGrid>
                 <a:gridCol w="1088850"/>
